--- a/presentazione/LinguaggiDiProgrammazione_1.pptx
+++ b/presentazione/LinguaggiDiProgrammazione_1.pptx
@@ -40103,8 +40103,8 @@
         </p:nvSpPr>
         <p:spPr>
           <a:xfrm>
-            <a:off x="180000" y="3960000"/>
-            <a:ext cx="1860480" cy="716760"/>
+            <a:off x="179999" y="3965443"/>
+            <a:ext cx="5388043" cy="716760"/>
           </a:xfrm>
           <a:prstGeom prst="rect">
             <a:avLst/>
@@ -40133,42 +40133,42 @@
               </a:tabLst>
             </a:pPr>
             <a:r>
-              <a:rPr lang="en" sz="1200" b="0" i="1" strike="noStrike" spc="-1">
+              <a:rPr lang="en" sz="1200" b="0" i="1" strike="noStrike" spc="-1" dirty="0">
                 <a:solidFill>
                   <a:schemeClr val="dk1"/>
                 </a:solidFill>
                 <a:latin typeface="Corbel Light"/>
                 <a:ea typeface="Montserrat"/>
               </a:rPr>
-              <a:t>Saverio Manfred Bardelli</a:t>
+              <a:t>Saverio Manfred Bardelli      saveriomanfred.bardelli@studenti.unimi.it</a:t>
             </a:r>
             <a:br>
-              <a:rPr sz="1200"/>
+              <a:rPr sz="1200" dirty="0"/>
             </a:br>
             <a:r>
-              <a:rPr lang="en" sz="1200" b="0" i="1" strike="noStrike" spc="-1">
+              <a:rPr lang="en" sz="1200" b="0" i="1" strike="noStrike" spc="-1" dirty="0">
                 <a:solidFill>
                   <a:schemeClr val="dk1"/>
                 </a:solidFill>
                 <a:latin typeface="Corbel Light"/>
                 <a:ea typeface="Montserrat"/>
               </a:rPr>
-              <a:t>Alessandro Cresta</a:t>
+              <a:t>Alessandro Cresta	alessandro.cresta@studenti.unimi.it</a:t>
             </a:r>
             <a:br>
-              <a:rPr sz="1200"/>
+              <a:rPr sz="1200" dirty="0"/>
             </a:br>
             <a:r>
-              <a:rPr lang="en" sz="1200" b="0" i="1" strike="noStrike" spc="-1">
+              <a:rPr lang="en" sz="1200" b="0" i="1" strike="noStrike" spc="-1" dirty="0">
                 <a:solidFill>
                   <a:schemeClr val="dk1"/>
                 </a:solidFill>
                 <a:latin typeface="Corbel Light"/>
                 <a:ea typeface="Montserrat"/>
               </a:rPr>
-              <a:t>Christian Spada</a:t>
+              <a:t>Christian Spada	christian.spada@studenti.unimi.it</a:t>
             </a:r>
-            <a:endParaRPr lang="it-IT" sz="1200" b="0" strike="noStrike" spc="-1">
+            <a:endParaRPr lang="it-IT" sz="1200" b="0" strike="noStrike" spc="-1" dirty="0">
               <a:solidFill>
                 <a:srgbClr val="000000"/>
               </a:solidFill>
@@ -43335,7 +43335,7 @@
         </p:nvSpPr>
         <p:spPr>
           <a:xfrm flipH="1">
-            <a:off x="1104480" y="2134080"/>
+            <a:off x="386624" y="1554605"/>
             <a:ext cx="2752920" cy="487080"/>
           </a:xfrm>
           <a:prstGeom prst="rect">
@@ -43373,7 +43373,7 @@
               </a:tabLst>
             </a:pPr>
             <a:r>
-              <a:rPr lang="en" sz="1900" b="0" strike="noStrike" spc="-1">
+              <a:rPr lang="en" sz="1900" b="0" strike="noStrike" spc="-1" dirty="0">
                 <a:solidFill>
                   <a:srgbClr val="55308D"/>
                 </a:solidFill>
@@ -43382,7 +43382,7 @@
               </a:rPr>
               <a:t>Storia dei Linguaggi</a:t>
             </a:r>
-            <a:endParaRPr lang="it-IT" sz="1900" b="0" strike="noStrike" spc="-1">
+            <a:endParaRPr lang="it-IT" sz="1900" b="0" strike="noStrike" spc="-1" dirty="0">
               <a:solidFill>
                 <a:srgbClr val="000000"/>
               </a:solidFill>
@@ -43399,7 +43399,7 @@
         </p:nvSpPr>
         <p:spPr>
           <a:xfrm flipH="1">
-            <a:off x="894600" y="2621880"/>
+            <a:off x="158183" y="2175312"/>
             <a:ext cx="2572920" cy="613080"/>
           </a:xfrm>
           <a:prstGeom prst="rect">
@@ -43437,16 +43437,26 @@
               </a:tabLst>
             </a:pPr>
             <a:r>
-              <a:rPr lang="en" sz="1300" b="0" strike="noStrike" spc="-1">
+              <a:rPr lang="en" sz="1300" spc="-1" dirty="0">
                 <a:solidFill>
                   <a:schemeClr val="dk2"/>
                 </a:solidFill>
                 <a:latin typeface="Montserrat"/>
                 <a:ea typeface="Montserrat"/>
               </a:rPr>
-              <a:t>Necessità di una rappresentazione simbolica del linguaggio macchina</a:t>
+              <a:t>Nascono da una n</a:t>
             </a:r>
-            <a:endParaRPr lang="it-IT" sz="1300" b="0" strike="noStrike" spc="-1">
+            <a:r>
+              <a:rPr lang="en" sz="1300" b="0" strike="noStrike" spc="-1" dirty="0">
+                <a:solidFill>
+                  <a:schemeClr val="dk2"/>
+                </a:solidFill>
+                <a:latin typeface="Montserrat"/>
+                <a:ea typeface="Montserrat"/>
+              </a:rPr>
+              <a:t>ecessità di una rappresentazione simbolica del linguaggio macchina</a:t>
+            </a:r>
+            <a:endParaRPr lang="it-IT" sz="1300" b="0" strike="noStrike" spc="-1" dirty="0">
               <a:solidFill>
                 <a:srgbClr val="000000"/>
               </a:solidFill>
